--- a/Entrega_2/00.REPORTE/tabla comparativa.pptx
+++ b/Entrega_2/00.REPORTE/tabla comparativa.pptx
@@ -14,31 +14,31 @@
   <p:notesSz cx="6858000" cy="9144000"/>
   <p:embeddedFontLst>
     <p:embeddedFont>
-      <p:font typeface="等线" panose="02010600030101010101" pitchFamily="2" charset="-122"/>
+      <p:font typeface="Didact Gothic" panose="00000500000000000000" pitchFamily="2" charset="0"/>
       <p:regular r:id="rId4"/>
-      <p:bold r:id="rId5"/>
-    </p:embeddedFont>
-    <p:embeddedFont>
-      <p:font typeface="Didact Gothic" panose="00000500000000000000" pitchFamily="2" charset="0"/>
-      <p:regular r:id="rId6"/>
     </p:embeddedFont>
     <p:embeddedFont>
       <p:font typeface="Libre Franklin" pitchFamily="2" charset="0"/>
-      <p:regular r:id="rId7"/>
-      <p:bold r:id="rId8"/>
-      <p:italic r:id="rId9"/>
-      <p:boldItalic r:id="rId10"/>
+      <p:regular r:id="rId5"/>
+      <p:bold r:id="rId6"/>
+      <p:italic r:id="rId7"/>
+      <p:boldItalic r:id="rId8"/>
     </p:embeddedFont>
     <p:embeddedFont>
       <p:font typeface="Lucida Console" panose="020B0609040504020204" pitchFamily="49" charset="0"/>
-      <p:regular r:id="rId11"/>
+      <p:regular r:id="rId9"/>
     </p:embeddedFont>
     <p:embeddedFont>
       <p:font typeface="Poppins" panose="00000500000000000000" pitchFamily="2" charset="0"/>
-      <p:regular r:id="rId12"/>
-      <p:bold r:id="rId13"/>
-      <p:italic r:id="rId14"/>
-      <p:boldItalic r:id="rId15"/>
+      <p:regular r:id="rId10"/>
+      <p:bold r:id="rId11"/>
+      <p:italic r:id="rId12"/>
+      <p:boldItalic r:id="rId13"/>
+    </p:embeddedFont>
+    <p:embeddedFont>
+      <p:font typeface="等线" panose="02010600030101010101" pitchFamily="2" charset="-122"/>
+      <p:regular r:id="rId14"/>
+      <p:bold r:id="rId15"/>
     </p:embeddedFont>
   </p:embeddedFontLst>
   <p:defaultTextStyle>
@@ -767,7 +767,7 @@
   <pc:docChgLst>
     <pc:chgData name="Siling G" userId="c2e56b80bdc69756" providerId="LiveId" clId="{859C0A22-8DA0-4BA7-A145-D80F1A202593}"/>
     <pc:docChg chg="undo redo custSel delSld modSld">
-      <pc:chgData name="Siling G" userId="c2e56b80bdc69756" providerId="LiveId" clId="{859C0A22-8DA0-4BA7-A145-D80F1A202593}" dt="2025-12-18T00:04:43.021" v="624" actId="122"/>
+      <pc:chgData name="Siling G" userId="c2e56b80bdc69756" providerId="LiveId" clId="{859C0A22-8DA0-4BA7-A145-D80F1A202593}" dt="2025-12-18T00:10:35.543" v="663" actId="255"/>
       <pc:docMkLst>
         <pc:docMk/>
       </pc:docMkLst>
@@ -842,7 +842,7 @@
         </pc:sldMkLst>
       </pc:sldChg>
       <pc:sldChg chg="addSp delSp modSp mod">
-        <pc:chgData name="Siling G" userId="c2e56b80bdc69756" providerId="LiveId" clId="{859C0A22-8DA0-4BA7-A145-D80F1A202593}" dt="2025-12-18T00:04:43.021" v="624" actId="122"/>
+        <pc:chgData name="Siling G" userId="c2e56b80bdc69756" providerId="LiveId" clId="{859C0A22-8DA0-4BA7-A145-D80F1A202593}" dt="2025-12-18T00:10:35.543" v="663" actId="255"/>
         <pc:sldMkLst>
           <pc:docMk/>
           <pc:sldMk cId="0" sldId="305"/>
@@ -880,7 +880,7 @@
           </ac:spMkLst>
         </pc:spChg>
         <pc:spChg chg="add mod">
-          <ac:chgData name="Siling G" userId="c2e56b80bdc69756" providerId="LiveId" clId="{859C0A22-8DA0-4BA7-A145-D80F1A202593}" dt="2025-12-18T00:01:25.070" v="611" actId="14100"/>
+          <ac:chgData name="Siling G" userId="c2e56b80bdc69756" providerId="LiveId" clId="{859C0A22-8DA0-4BA7-A145-D80F1A202593}" dt="2025-12-18T00:10:35.543" v="663" actId="255"/>
           <ac:spMkLst>
             <pc:docMk/>
             <pc:sldMk cId="0" sldId="305"/>
@@ -888,7 +888,7 @@
           </ac:spMkLst>
         </pc:spChg>
         <pc:spChg chg="add mod">
-          <ac:chgData name="Siling G" userId="c2e56b80bdc69756" providerId="LiveId" clId="{859C0A22-8DA0-4BA7-A145-D80F1A202593}" dt="2025-12-18T00:01:14.962" v="609" actId="1036"/>
+          <ac:chgData name="Siling G" userId="c2e56b80bdc69756" providerId="LiveId" clId="{859C0A22-8DA0-4BA7-A145-D80F1A202593}" dt="2025-12-18T00:09:17.007" v="647" actId="255"/>
           <ac:spMkLst>
             <pc:docMk/>
             <pc:sldMk cId="0" sldId="305"/>
@@ -944,7 +944,7 @@
           </ac:spMkLst>
         </pc:spChg>
         <pc:spChg chg="add mod">
-          <ac:chgData name="Siling G" userId="c2e56b80bdc69756" providerId="LiveId" clId="{859C0A22-8DA0-4BA7-A145-D80F1A202593}" dt="2025-12-18T00:01:08.132" v="608" actId="1076"/>
+          <ac:chgData name="Siling G" userId="c2e56b80bdc69756" providerId="LiveId" clId="{859C0A22-8DA0-4BA7-A145-D80F1A202593}" dt="2025-12-18T00:10:17.539" v="660" actId="1036"/>
           <ac:spMkLst>
             <pc:docMk/>
             <pc:sldMk cId="0" sldId="305"/>
@@ -6978,7 +6978,7 @@
         <p:spPr>
           <a:xfrm>
             <a:off x="5238750" y="3971708"/>
-            <a:ext cx="2438402" cy="954107"/>
+            <a:ext cx="2438402" cy="707886"/>
           </a:xfrm>
           <a:prstGeom prst="rect">
             <a:avLst/>
@@ -7000,7 +7000,7 @@
           <a:p>
             <a:pPr algn="ctr"/>
             <a:r>
-              <a:rPr lang="en-US" altLang="zh-CN" dirty="0" err="1">
+              <a:rPr lang="en-US" altLang="zh-CN" sz="1000" dirty="0" err="1">
                 <a:solidFill>
                   <a:schemeClr val="tx1"/>
                 </a:solidFill>
@@ -7008,7 +7008,7 @@
               <a:t>Mejor</a:t>
             </a:r>
             <a:r>
-              <a:rPr lang="en-US" altLang="zh-CN" dirty="0">
+              <a:rPr lang="en-US" altLang="zh-CN" sz="1000" dirty="0">
                 <a:solidFill>
                   <a:schemeClr val="tx1"/>
                 </a:solidFill>
@@ -7019,7 +7019,7 @@
           <a:p>
             <a:pPr algn="ctr"/>
             <a:r>
-              <a:rPr lang="en-US" altLang="zh-CN" dirty="0" err="1">
+              <a:rPr lang="en-US" altLang="zh-CN" sz="1000" dirty="0" err="1">
                 <a:solidFill>
                   <a:schemeClr val="tx1"/>
                 </a:solidFill>
@@ -7027,7 +7027,7 @@
               <a:t>Mejor</a:t>
             </a:r>
             <a:r>
-              <a:rPr lang="en-US" altLang="zh-CN" dirty="0">
+              <a:rPr lang="en-US" altLang="zh-CN" sz="1000" dirty="0">
                 <a:solidFill>
                   <a:schemeClr val="tx1"/>
                 </a:solidFill>
@@ -7038,7 +7038,7 @@
           <a:p>
             <a:pPr algn="ctr"/>
             <a:r>
-              <a:rPr lang="en-US" altLang="zh-CN" dirty="0" err="1">
+              <a:rPr lang="en-US" altLang="zh-CN" sz="1000" dirty="0" err="1">
                 <a:solidFill>
                   <a:schemeClr val="tx1"/>
                 </a:solidFill>
@@ -7046,7 +7046,7 @@
               <a:t>Mejor</a:t>
             </a:r>
             <a:r>
-              <a:rPr lang="en-US" altLang="zh-CN" dirty="0">
+              <a:rPr lang="en-US" altLang="zh-CN" sz="1000" dirty="0">
                 <a:solidFill>
                   <a:schemeClr val="tx1"/>
                 </a:solidFill>
@@ -7054,7 +7054,7 @@
               <a:t> </a:t>
             </a:r>
             <a:r>
-              <a:rPr lang="en-US" altLang="zh-CN" dirty="0" err="1">
+              <a:rPr lang="en-US" altLang="zh-CN" sz="1000" dirty="0" err="1">
                 <a:solidFill>
                   <a:schemeClr val="tx1"/>
                 </a:solidFill>
@@ -7062,7 +7062,7 @@
               <a:t>en</a:t>
             </a:r>
             <a:r>
-              <a:rPr lang="en-US" altLang="zh-CN" dirty="0">
+              <a:rPr lang="en-US" altLang="zh-CN" sz="1000" dirty="0">
                 <a:solidFill>
                   <a:schemeClr val="tx1"/>
                 </a:solidFill>
@@ -7073,7 +7073,7 @@
           <a:p>
             <a:pPr algn="ctr"/>
             <a:r>
-              <a:rPr lang="en-US" altLang="zh-CN" dirty="0">
+              <a:rPr lang="en-US" altLang="zh-CN" sz="1000" dirty="0">
                 <a:solidFill>
                   <a:schemeClr val="tx1"/>
                 </a:solidFill>
@@ -7081,7 +7081,7 @@
               <a:t>F1 </a:t>
             </a:r>
             <a:r>
-              <a:rPr lang="en-US" altLang="zh-CN" dirty="0" err="1">
+              <a:rPr lang="en-US" altLang="zh-CN" sz="1000" dirty="0" err="1">
                 <a:solidFill>
                   <a:schemeClr val="tx1"/>
                 </a:solidFill>
@@ -7089,7 +7089,7 @@
               <a:t>más</a:t>
             </a:r>
             <a:r>
-              <a:rPr lang="en-US" altLang="zh-CN" dirty="0">
+              <a:rPr lang="en-US" altLang="zh-CN" sz="1000" dirty="0">
                 <a:solidFill>
                   <a:schemeClr val="tx1"/>
                 </a:solidFill>
@@ -7114,7 +7114,7 @@
         <p:spPr>
           <a:xfrm>
             <a:off x="2790826" y="3971708"/>
-            <a:ext cx="2447924" cy="307777"/>
+            <a:ext cx="2447924" cy="246221"/>
           </a:xfrm>
           <a:prstGeom prst="rect">
             <a:avLst/>
@@ -7136,18 +7136,26 @@
           <a:p>
             <a:pPr algn="ctr"/>
             <a:r>
-              <a:rPr lang="en-US" altLang="zh-CN" dirty="0"/>
-              <a:t>M</a:t>
+              <a:rPr lang="en-US" altLang="zh-CN" sz="1000" dirty="0" err="1"/>
+              <a:t>Computacionalmente</a:t>
             </a:r>
             <a:r>
-              <a:rPr lang="es-ES" altLang="zh-CN" dirty="0" err="1"/>
-              <a:t>ás</a:t>
+              <a:rPr lang="en-US" altLang="zh-CN" sz="1000" dirty="0"/>
+              <a:t> </a:t>
             </a:r>
             <a:r>
-              <a:rPr lang="es-ES" altLang="zh-CN" dirty="0"/>
-              <a:t> económico</a:t>
+              <a:rPr lang="en-US" altLang="zh-CN" sz="1000" dirty="0" err="1"/>
+              <a:t>menos</a:t>
             </a:r>
-            <a:endParaRPr lang="zh-CN" altLang="en-US" dirty="0"/>
+            <a:r>
+              <a:rPr lang="en-US" altLang="zh-CN" sz="1000" dirty="0"/>
+              <a:t> </a:t>
+            </a:r>
+            <a:r>
+              <a:rPr lang="en-US" altLang="zh-CN" sz="1000" dirty="0" err="1"/>
+              <a:t>cosotoso</a:t>
+            </a:r>
+            <a:endParaRPr lang="zh-CN" altLang="en-US" sz="1000" dirty="0"/>
           </a:p>
         </p:txBody>
       </p:sp>
@@ -7326,8 +7334,8 @@
         </p:nvSpPr>
         <p:spPr>
           <a:xfrm>
-            <a:off x="2790826" y="3642019"/>
-            <a:ext cx="4886325" cy="307777"/>
+            <a:off x="2790826" y="3656308"/>
+            <a:ext cx="4886325" cy="276999"/>
           </a:xfrm>
           <a:prstGeom prst="rect">
             <a:avLst/>
@@ -7354,18 +7362,18 @@
           <a:p>
             <a:pPr algn="ctr"/>
             <a:r>
-              <a:rPr lang="en-US" altLang="zh-CN" dirty="0" err="1"/>
+              <a:rPr lang="en-US" altLang="zh-CN" sz="1200" dirty="0" err="1"/>
               <a:t>Recall_Sensitivity</a:t>
             </a:r>
             <a:r>
-              <a:rPr lang="en-US" altLang="zh-CN" dirty="0"/>
+              <a:rPr lang="en-US" altLang="zh-CN" sz="1200" dirty="0"/>
               <a:t> </a:t>
             </a:r>
             <a:r>
-              <a:rPr lang="en-US" altLang="zh-CN" dirty="0" err="1"/>
+              <a:rPr lang="en-US" altLang="zh-CN" sz="1200" dirty="0" err="1"/>
               <a:t>similares</a:t>
             </a:r>
-            <a:endParaRPr lang="en-US" altLang="zh-CN" dirty="0"/>
+            <a:endParaRPr lang="en-US" altLang="zh-CN" sz="1200" dirty="0"/>
           </a:p>
         </p:txBody>
       </p:sp>
